--- a/PowerPoint Persentation .pptx
+++ b/PowerPoint Persentation .pptx
@@ -112,7 +112,109 @@
       </a:defRPr>
     </a:lvl9pPr>
   </p:defaultTextStyle>
+  <p:extLst>
+    <p:ext uri="{EFAFB233-063F-42B5-8137-9DF3F51BA10A}">
+      <p15:sldGuideLst xmlns:p15="http://schemas.microsoft.com/office/powerpoint/2012/main"/>
+    </p:ext>
+  </p:extLst>
 </p:presentation>
+</file>
+
+<file path=ppt/changesInfos/changesInfo1.xml><?xml version="1.0" encoding="utf-8"?>
+<pc:chgInfo xmlns:a="http://schemas.openxmlformats.org/drawingml/2006/main" xmlns:r="http://schemas.openxmlformats.org/officeDocument/2006/relationships" xmlns:ac="http://schemas.microsoft.com/office/drawing/2013/main/command" xmlns:pc="http://schemas.microsoft.com/office/powerpoint/2013/main/command">
+  <pc:docChgLst>
+    <pc:chgData name="Mohammad Javid Moradi" userId="f25a1723c774a505" providerId="LiveId" clId="{B9402A9F-FD3B-48F9-A142-E6F74492E7AF}"/>
+    <pc:docChg chg="custSel modSld">
+      <pc:chgData name="Mohammad Javid Moradi" userId="f25a1723c774a505" providerId="LiveId" clId="{B9402A9F-FD3B-48F9-A142-E6F74492E7AF}" dt="2021-08-05T02:26:11.529" v="788" actId="20577"/>
+      <pc:docMkLst>
+        <pc:docMk/>
+      </pc:docMkLst>
+      <pc:sldChg chg="modSp mod">
+        <pc:chgData name="Mohammad Javid Moradi" userId="f25a1723c774a505" providerId="LiveId" clId="{B9402A9F-FD3B-48F9-A142-E6F74492E7AF}" dt="2021-08-05T01:44:52.674" v="36" actId="20577"/>
+        <pc:sldMkLst>
+          <pc:docMk/>
+          <pc:sldMk cId="0" sldId="256"/>
+        </pc:sldMkLst>
+        <pc:spChg chg="mod">
+          <ac:chgData name="Mohammad Javid Moradi" userId="f25a1723c774a505" providerId="LiveId" clId="{B9402A9F-FD3B-48F9-A142-E6F74492E7AF}" dt="2021-08-05T01:44:52.674" v="36" actId="20577"/>
+          <ac:spMkLst>
+            <pc:docMk/>
+            <pc:sldMk cId="0" sldId="256"/>
+            <ac:spMk id="55" creationId="{00000000-0000-0000-0000-000000000000}"/>
+          </ac:spMkLst>
+        </pc:spChg>
+      </pc:sldChg>
+      <pc:sldChg chg="modSp mod">
+        <pc:chgData name="Mohammad Javid Moradi" userId="f25a1723c774a505" providerId="LiveId" clId="{B9402A9F-FD3B-48F9-A142-E6F74492E7AF}" dt="2021-08-05T01:48:11.426" v="449" actId="20577"/>
+        <pc:sldMkLst>
+          <pc:docMk/>
+          <pc:sldMk cId="0" sldId="258"/>
+        </pc:sldMkLst>
+        <pc:spChg chg="mod">
+          <ac:chgData name="Mohammad Javid Moradi" userId="f25a1723c774a505" providerId="LiveId" clId="{B9402A9F-FD3B-48F9-A142-E6F74492E7AF}" dt="2021-08-05T01:48:11.426" v="449" actId="20577"/>
+          <ac:spMkLst>
+            <pc:docMk/>
+            <pc:sldMk cId="0" sldId="258"/>
+            <ac:spMk id="66" creationId="{00000000-0000-0000-0000-000000000000}"/>
+          </ac:spMkLst>
+        </pc:spChg>
+      </pc:sldChg>
+      <pc:sldChg chg="modSp mod">
+        <pc:chgData name="Mohammad Javid Moradi" userId="f25a1723c774a505" providerId="LiveId" clId="{B9402A9F-FD3B-48F9-A142-E6F74492E7AF}" dt="2021-08-05T02:26:11.529" v="788" actId="20577"/>
+        <pc:sldMkLst>
+          <pc:docMk/>
+          <pc:sldMk cId="0" sldId="259"/>
+        </pc:sldMkLst>
+        <pc:spChg chg="mod">
+          <ac:chgData name="Mohammad Javid Moradi" userId="f25a1723c774a505" providerId="LiveId" clId="{B9402A9F-FD3B-48F9-A142-E6F74492E7AF}" dt="2021-08-05T02:26:11.529" v="788" actId="20577"/>
+          <ac:spMkLst>
+            <pc:docMk/>
+            <pc:sldMk cId="0" sldId="259"/>
+            <ac:spMk id="4" creationId="{3CB20BF6-6CAA-4A44-99A7-DD38521CEEFB}"/>
+          </ac:spMkLst>
+        </pc:spChg>
+        <pc:spChg chg="mod">
+          <ac:chgData name="Mohammad Javid Moradi" userId="f25a1723c774a505" providerId="LiveId" clId="{B9402A9F-FD3B-48F9-A142-E6F74492E7AF}" dt="2021-08-05T01:51:05.362" v="609" actId="20577"/>
+          <ac:spMkLst>
+            <pc:docMk/>
+            <pc:sldMk cId="0" sldId="259"/>
+            <ac:spMk id="7" creationId="{F48595C5-9E09-40AD-86A7-D06A846E3654}"/>
+          </ac:spMkLst>
+        </pc:spChg>
+      </pc:sldChg>
+      <pc:sldChg chg="modSp mod">
+        <pc:chgData name="Mohammad Javid Moradi" userId="f25a1723c774a505" providerId="LiveId" clId="{B9402A9F-FD3B-48F9-A142-E6F74492E7AF}" dt="2021-08-05T01:52:40.687" v="756" actId="33524"/>
+        <pc:sldMkLst>
+          <pc:docMk/>
+          <pc:sldMk cId="0" sldId="261"/>
+        </pc:sldMkLst>
+        <pc:spChg chg="mod">
+          <ac:chgData name="Mohammad Javid Moradi" userId="f25a1723c774a505" providerId="LiveId" clId="{B9402A9F-FD3B-48F9-A142-E6F74492E7AF}" dt="2021-08-05T01:52:40.687" v="756" actId="33524"/>
+          <ac:spMkLst>
+            <pc:docMk/>
+            <pc:sldMk cId="0" sldId="261"/>
+            <ac:spMk id="83" creationId="{00000000-0000-0000-0000-000000000000}"/>
+          </ac:spMkLst>
+        </pc:spChg>
+      </pc:sldChg>
+      <pc:sldChg chg="modSp mod">
+        <pc:chgData name="Mohammad Javid Moradi" userId="f25a1723c774a505" providerId="LiveId" clId="{B9402A9F-FD3B-48F9-A142-E6F74492E7AF}" dt="2021-08-05T02:06:12.332" v="782"/>
+        <pc:sldMkLst>
+          <pc:docMk/>
+          <pc:sldMk cId="0" sldId="262"/>
+        </pc:sldMkLst>
+        <pc:spChg chg="mod">
+          <ac:chgData name="Mohammad Javid Moradi" userId="f25a1723c774a505" providerId="LiveId" clId="{B9402A9F-FD3B-48F9-A142-E6F74492E7AF}" dt="2021-08-05T02:06:12.332" v="782"/>
+          <ac:spMkLst>
+            <pc:docMk/>
+            <pc:sldMk cId="0" sldId="262"/>
+            <ac:spMk id="89" creationId="{00000000-0000-0000-0000-000000000000}"/>
+          </ac:spMkLst>
+        </pc:spChg>
+      </pc:sldChg>
+    </pc:docChg>
+  </pc:docChgLst>
+</pc:chgInfo>
 </file>
 
 <file path=ppt/notesMasters/notesMaster1.xml><?xml version="1.0" encoding="utf-8"?>
@@ -1372,7 +1474,7 @@
             <a:fld id="{B61BEF0D-F0BB-DE4B-95CE-6DB70DBA9567}" type="datetimeFigureOut">
               <a:rPr lang="en-US" dirty="0"/>
               <a:pPr/>
-              <a:t>8/2/2021</a:t>
+              <a:t>8/4/2021</a:t>
             </a:fld>
             <a:endParaRPr lang="en-US" dirty="0"/>
           </a:p>
@@ -1819,7 +1921,7 @@
             <a:fld id="{B61BEF0D-F0BB-DE4B-95CE-6DB70DBA9567}" type="datetimeFigureOut">
               <a:rPr lang="en-US" dirty="0"/>
               <a:pPr/>
-              <a:t>8/2/2021</a:t>
+              <a:t>8/4/2021</a:t>
             </a:fld>
             <a:endParaRPr lang="en-US" dirty="0"/>
           </a:p>
@@ -2080,7 +2182,7 @@
             <a:fld id="{B61BEF0D-F0BB-DE4B-95CE-6DB70DBA9567}" type="datetimeFigureOut">
               <a:rPr lang="en-US" dirty="0"/>
               <a:pPr/>
-              <a:t>8/2/2021</a:t>
+              <a:t>8/4/2021</a:t>
             </a:fld>
             <a:endParaRPr lang="en-US" dirty="0"/>
           </a:p>
@@ -2399,7 +2501,7 @@
             <a:fld id="{B61BEF0D-F0BB-DE4B-95CE-6DB70DBA9567}" type="datetimeFigureOut">
               <a:rPr lang="en-US" dirty="0"/>
               <a:pPr/>
-              <a:t>8/2/2021</a:t>
+              <a:t>8/4/2021</a:t>
             </a:fld>
             <a:endParaRPr lang="en-US" dirty="0"/>
           </a:p>
@@ -2728,7 +2830,7 @@
             <a:fld id="{B61BEF0D-F0BB-DE4B-95CE-6DB70DBA9567}" type="datetimeFigureOut">
               <a:rPr lang="en-US" dirty="0"/>
               <a:pPr/>
-              <a:t>8/2/2021</a:t>
+              <a:t>8/4/2021</a:t>
             </a:fld>
             <a:endParaRPr lang="en-US" dirty="0"/>
           </a:p>
@@ -3041,7 +3143,7 @@
             <a:fld id="{B61BEF0D-F0BB-DE4B-95CE-6DB70DBA9567}" type="datetimeFigureOut">
               <a:rPr lang="en-US" dirty="0"/>
               <a:pPr/>
-              <a:t>8/2/2021</a:t>
+              <a:t>8/4/2021</a:t>
             </a:fld>
             <a:endParaRPr lang="en-US" dirty="0"/>
           </a:p>
@@ -3419,7 +3521,7 @@
             <a:fld id="{B61BEF0D-F0BB-DE4B-95CE-6DB70DBA9567}" type="datetimeFigureOut">
               <a:rPr lang="en-US" dirty="0"/>
               <a:pPr/>
-              <a:t>8/2/2021</a:t>
+              <a:t>8/4/2021</a:t>
             </a:fld>
             <a:endParaRPr lang="en-US" dirty="0"/>
           </a:p>
@@ -3604,7 +3706,7 @@
             <a:fld id="{B61BEF0D-F0BB-DE4B-95CE-6DB70DBA9567}" type="datetimeFigureOut">
               <a:rPr lang="en-US" dirty="0"/>
               <a:pPr/>
-              <a:t>8/2/2021</a:t>
+              <a:t>8/4/2021</a:t>
             </a:fld>
             <a:endParaRPr lang="en-US" dirty="0"/>
           </a:p>
@@ -3795,7 +3897,7 @@
             <a:fld id="{B61BEF0D-F0BB-DE4B-95CE-6DB70DBA9567}" type="datetimeFigureOut">
               <a:rPr lang="en-US" dirty="0"/>
               <a:pPr/>
-              <a:t>8/2/2021</a:t>
+              <a:t>8/4/2021</a:t>
             </a:fld>
             <a:endParaRPr lang="en-US" dirty="0"/>
           </a:p>
@@ -4581,7 +4683,7 @@
             <a:fld id="{B61BEF0D-F0BB-DE4B-95CE-6DB70DBA9567}" type="datetimeFigureOut">
               <a:rPr lang="en-US" dirty="0"/>
               <a:pPr/>
-              <a:t>8/2/2021</a:t>
+              <a:t>8/4/2021</a:t>
             </a:fld>
             <a:endParaRPr lang="en-US" dirty="0"/>
           </a:p>
@@ -4842,7 +4944,7 @@
             <a:fld id="{B61BEF0D-F0BB-DE4B-95CE-6DB70DBA9567}" type="datetimeFigureOut">
               <a:rPr lang="en-US" dirty="0"/>
               <a:pPr/>
-              <a:t>8/2/2021</a:t>
+              <a:t>8/4/2021</a:t>
             </a:fld>
             <a:endParaRPr lang="en-US" dirty="0"/>
           </a:p>
@@ -5089,7 +5191,7 @@
             <a:fld id="{B61BEF0D-F0BB-DE4B-95CE-6DB70DBA9567}" type="datetimeFigureOut">
               <a:rPr lang="en-US" dirty="0"/>
               <a:pPr/>
-              <a:t>8/2/2021</a:t>
+              <a:t>8/4/2021</a:t>
             </a:fld>
             <a:endParaRPr lang="en-US" dirty="0"/>
           </a:p>
@@ -5482,7 +5584,7 @@
             <a:fld id="{B61BEF0D-F0BB-DE4B-95CE-6DB70DBA9567}" type="datetimeFigureOut">
               <a:rPr lang="en-US" dirty="0"/>
               <a:pPr/>
-              <a:t>8/2/2021</a:t>
+              <a:t>8/4/2021</a:t>
             </a:fld>
             <a:endParaRPr lang="en-US" dirty="0"/>
           </a:p>
@@ -5611,7 +5713,7 @@
             <a:fld id="{B61BEF0D-F0BB-DE4B-95CE-6DB70DBA9567}" type="datetimeFigureOut">
               <a:rPr lang="en-US" dirty="0"/>
               <a:pPr/>
-              <a:t>8/2/2021</a:t>
+              <a:t>8/4/2021</a:t>
             </a:fld>
             <a:endParaRPr lang="en-US" dirty="0"/>
           </a:p>
@@ -5717,7 +5819,7 @@
             <a:fld id="{B61BEF0D-F0BB-DE4B-95CE-6DB70DBA9567}" type="datetimeFigureOut">
               <a:rPr lang="en-US" dirty="0"/>
               <a:pPr/>
-              <a:t>8/2/2021</a:t>
+              <a:t>8/4/2021</a:t>
             </a:fld>
             <a:endParaRPr lang="en-US" dirty="0"/>
           </a:p>
@@ -5982,7 +6084,7 @@
             <a:fld id="{B61BEF0D-F0BB-DE4B-95CE-6DB70DBA9567}" type="datetimeFigureOut">
               <a:rPr lang="en-US" dirty="0"/>
               <a:pPr/>
-              <a:t>8/2/2021</a:t>
+              <a:t>8/4/2021</a:t>
             </a:fld>
             <a:endParaRPr lang="en-US" dirty="0"/>
           </a:p>
@@ -6276,7 +6378,7 @@
             <a:fld id="{B61BEF0D-F0BB-DE4B-95CE-6DB70DBA9567}" type="datetimeFigureOut">
               <a:rPr lang="en-US" dirty="0"/>
               <a:pPr/>
-              <a:t>8/2/2021</a:t>
+              <a:t>8/4/2021</a:t>
             </a:fld>
             <a:endParaRPr lang="en-US" dirty="0"/>
           </a:p>
@@ -6693,7 +6795,7 @@
             <a:fld id="{B61BEF0D-F0BB-DE4B-95CE-6DB70DBA9567}" type="datetimeFigureOut">
               <a:rPr lang="en-US" dirty="0"/>
               <a:pPr/>
-              <a:t>8/2/2021</a:t>
+              <a:t>8/4/2021</a:t>
             </a:fld>
             <a:endParaRPr lang="en-US" dirty="0"/>
           </a:p>
@@ -7331,7 +7433,15 @@
             <a:pPr marL="1828800" lvl="4" indent="0" algn="l"/>
             <a:r>
               <a:rPr lang="en-US" sz="1600" b="1" dirty="0"/>
-              <a:t>Rabin </a:t>
+              <a:t>Rabin Taya </a:t>
+            </a:r>
+            <a:r>
+              <a:rPr lang="en-US" sz="1600" b="1" dirty="0" err="1"/>
+              <a:t>Chetteri</a:t>
+            </a:r>
+            <a:r>
+              <a:rPr lang="en-US" sz="1600" b="1" dirty="0"/>
+              <a:t> </a:t>
             </a:r>
           </a:p>
           <a:p>
@@ -7342,7 +7452,7 @@
             </a:r>
             <a:r>
               <a:rPr lang="en-US" sz="1600" b="1" dirty="0"/>
-              <a:t> </a:t>
+              <a:t> Bravo</a:t>
             </a:r>
           </a:p>
           <a:p>
@@ -7472,7 +7582,15 @@
                 <a:effectLst/>
                 <a:latin typeface="+mn-lt"/>
               </a:rPr>
-              <a:t>to illustrate the use of HTML, CSS, JavaScript, API, modals. It will get the information from the user within a model, will fetch to receive and provide questions and collect user input to determine whether the answers to a question are correct, this then generates a score and appends to a final page of results as a modal. </a:t>
+              <a:t>to illustrate the use of HTML, CSS, JavaScript, API, modals. It is a trivia question webpage to will prompt the user to choose categories and </a:t>
+            </a:r>
+            <a:r>
+              <a:rPr lang="en-US" sz="1200" dirty="0">
+                <a:solidFill>
+                  <a:schemeClr val="tx1"/>
+                </a:solidFill>
+              </a:rPr>
+              <a:t>level that question will be, compares the question with data received and respond back to user. And will display the result. </a:t>
             </a:r>
           </a:p>
           <a:p>
@@ -7483,19 +7601,10 @@
               <a:solidFill>
                 <a:schemeClr val="tx1"/>
               </a:solidFill>
-              <a:effectLst/>
-              <a:latin typeface="+mn-lt"/>
             </a:endParaRPr>
           </a:p>
           <a:p>
-            <a:pPr marL="114300" lvl="0" indent="0" algn="l" rtl="0">
-              <a:spcBef>
-                <a:spcPts val="0"/>
-              </a:spcBef>
-              <a:spcAft>
-                <a:spcPts val="0"/>
-              </a:spcAft>
-              <a:buSzPts val="1800"/>
+            <a:pPr marL="114300" indent="0">
               <a:buNone/>
             </a:pPr>
             <a:r>
@@ -7675,6 +7784,32 @@
               </a:rPr>
               <a:t>Learning and enhancing the general knowledge of the user – in shape of flip cards</a:t>
             </a:r>
+          </a:p>
+          <a:p>
+            <a:pPr marL="114300" lvl="0" indent="0" algn="l" rtl="0">
+              <a:spcBef>
+                <a:spcPts val="0"/>
+              </a:spcBef>
+              <a:spcAft>
+                <a:spcPts val="0"/>
+              </a:spcAft>
+              <a:buSzPts val="1800"/>
+              <a:buNone/>
+            </a:pPr>
+            <a:r>
+              <a:rPr lang="en-US" sz="1200" dirty="0">
+                <a:solidFill>
+                  <a:schemeClr val="tx1"/>
+                </a:solidFill>
+              </a:rPr>
+              <a:t>Could be add-on to learning web page for as flash card. </a:t>
+            </a:r>
+            <a:endParaRPr lang="en-US" sz="1200" dirty="0">
+              <a:solidFill>
+                <a:schemeClr val="tx1"/>
+              </a:solidFill>
+              <a:latin typeface="+mn-lt"/>
+            </a:endParaRPr>
           </a:p>
         </p:txBody>
       </p:sp>
@@ -7811,8 +7946,12 @@
           <a:p>
             <a:pPr marL="571500" lvl="1"/>
             <a:r>
+              <a:rPr lang="en" sz="1200" b="1"/>
+              <a:t>Start </a:t>
+            </a:r>
+            <a:r>
               <a:rPr lang="en" sz="1200" b="1" dirty="0"/>
-              <a:t>Strat Game - UserInput – (UserName, and number of quesitons) </a:t>
+              <a:t>Game - UserInput – (UserName, and number of quesitons) </a:t>
             </a:r>
           </a:p>
           <a:p>
@@ -8105,7 +8244,7 @@
         <p:spPr>
           <a:xfrm>
             <a:off x="484094" y="3594377"/>
-            <a:ext cx="6051177" cy="461665"/>
+            <a:ext cx="6051177" cy="830997"/>
           </a:xfrm>
           <a:prstGeom prst="rect">
             <a:avLst/>
@@ -8126,7 +8265,19 @@
           <a:p>
             <a:r>
               <a:rPr lang="en-US" sz="1200" b="1" dirty="0"/>
-              <a:t>Creation Modals </a:t>
+              <a:t>Creation Modals</a:t>
+            </a:r>
+          </a:p>
+          <a:p>
+            <a:r>
+              <a:rPr lang="en-US" sz="1200" b="1" dirty="0"/>
+              <a:t>Creation of answer array (data was in two set of array from fetch</a:t>
+            </a:r>
+          </a:p>
+          <a:p>
+            <a:r>
+              <a:rPr lang="en-US" sz="1200" b="1" dirty="0"/>
+              <a:t>Randomizing and answers array  </a:t>
             </a:r>
           </a:p>
         </p:txBody>
@@ -8286,19 +8437,26 @@
           </a:bodyPr>
           <a:lstStyle/>
           <a:p>
-            <a:pPr marL="114300" indent="0">
-              <a:buNone/>
+            <a:pPr>
+              <a:buFont typeface="Arial" panose="020B0604020202020204" pitchFamily="34" charset="0"/>
+              <a:buChar char="•"/>
             </a:pPr>
             <a:r>
               <a:rPr lang="en-US" sz="1200" b="0" dirty="0">
                 <a:solidFill>
-                  <a:srgbClr val="A6E22E"/>
+                  <a:srgbClr val="F8F8F2"/>
                 </a:solidFill>
                 <a:effectLst/>
                 <a:latin typeface="Abadi" panose="020B0604020104020204" pitchFamily="34" charset="0"/>
               </a:rPr>
-              <a:t>-</a:t>
-            </a:r>
+              <a:t>Adding timer to the Quiz App </a:t>
+            </a:r>
+          </a:p>
+          <a:p>
+            <a:pPr>
+              <a:buFont typeface="Arial" panose="020B0604020202020204" pitchFamily="34" charset="0"/>
+              <a:buChar char="•"/>
+            </a:pPr>
             <a:r>
               <a:rPr lang="en-US" sz="1200" b="0" dirty="0">
                 <a:solidFill>
@@ -8307,23 +8465,30 @@
                 <a:effectLst/>
                 <a:latin typeface="Abadi" panose="020B0604020104020204" pitchFamily="34" charset="0"/>
               </a:rPr>
-              <a:t> Adding timer to the Quiz App </a:t>
-            </a:r>
-          </a:p>
-          <a:p>
-            <a:pPr marL="114300" indent="0">
-              <a:buNone/>
+              <a:t>improve the CSS frames </a:t>
+            </a:r>
+          </a:p>
+          <a:p>
+            <a:pPr>
+              <a:buFont typeface="Arial" panose="020B0604020202020204" pitchFamily="34" charset="0"/>
+              <a:buChar char="•"/>
             </a:pPr>
             <a:r>
               <a:rPr lang="en-US" sz="1200" b="0" dirty="0">
                 <a:solidFill>
-                  <a:srgbClr val="A6E22E"/>
+                  <a:srgbClr val="F8F8F2"/>
                 </a:solidFill>
                 <a:effectLst/>
                 <a:latin typeface="Abadi" panose="020B0604020104020204" pitchFamily="34" charset="0"/>
               </a:rPr>
-              <a:t>-</a:t>
-            </a:r>
+              <a:t>User input to choose category and level of difficulty</a:t>
+            </a:r>
+          </a:p>
+          <a:p>
+            <a:pPr>
+              <a:buFont typeface="Arial" panose="020B0604020202020204" pitchFamily="34" charset="0"/>
+              <a:buChar char="•"/>
+            </a:pPr>
             <a:r>
               <a:rPr lang="en-US" sz="1200" b="0" dirty="0">
                 <a:solidFill>
@@ -8332,33 +8497,55 @@
                 <a:effectLst/>
                 <a:latin typeface="Abadi" panose="020B0604020104020204" pitchFamily="34" charset="0"/>
               </a:rPr>
-              <a:t> improve the CSS frames </a:t>
-            </a:r>
-          </a:p>
-          <a:p>
-            <a:pPr marL="114300" indent="0">
-              <a:buNone/>
+              <a:t>Adding the </a:t>
+            </a:r>
+            <a:r>
+              <a:rPr lang="en-US" sz="1200" dirty="0">
+                <a:solidFill>
+                  <a:srgbClr val="F8F8F2"/>
+                </a:solidFill>
+                <a:latin typeface="Abadi" panose="020B0604020104020204" pitchFamily="34" charset="0"/>
+              </a:rPr>
+              <a:t>reset button to end of questions </a:t>
+            </a:r>
+          </a:p>
+          <a:p>
+            <a:pPr>
+              <a:buFont typeface="Arial" panose="020B0604020202020204" pitchFamily="34" charset="0"/>
+              <a:buChar char="•"/>
             </a:pPr>
             <a:r>
               <a:rPr lang="en-US" sz="1200" b="0" dirty="0">
                 <a:solidFill>
-                  <a:srgbClr val="A6E22E"/>
+                  <a:srgbClr val="F8F8F2"/>
                 </a:solidFill>
                 <a:effectLst/>
                 <a:latin typeface="Abadi" panose="020B0604020104020204" pitchFamily="34" charset="0"/>
               </a:rPr>
-              <a:t>-</a:t>
-            </a:r>
-            <a:r>
-              <a:rPr lang="en-US" sz="1200" b="0" dirty="0">
+              <a:t>Display </a:t>
+            </a:r>
+            <a:r>
+              <a:rPr lang="en-US" sz="1200" dirty="0">
                 <a:solidFill>
                   <a:srgbClr val="F8F8F2"/>
                 </a:solidFill>
-                <a:effectLst/>
                 <a:latin typeface="Abadi" panose="020B0604020104020204" pitchFamily="34" charset="0"/>
               </a:rPr>
-              <a:t> User input to choose category and level of difficulty </a:t>
-            </a:r>
+              <a:t>the result and saving in the local storage </a:t>
+            </a:r>
+          </a:p>
+          <a:p>
+            <a:pPr>
+              <a:buFont typeface="Arial" panose="020B0604020202020204" pitchFamily="34" charset="0"/>
+              <a:buChar char="•"/>
+            </a:pPr>
+            <a:endParaRPr lang="en-US" sz="1200" b="0" dirty="0">
+              <a:solidFill>
+                <a:srgbClr val="F8F8F2"/>
+              </a:solidFill>
+              <a:effectLst/>
+              <a:latin typeface="Abadi" panose="020B0604020104020204" pitchFamily="34" charset="0"/>
+            </a:endParaRPr>
           </a:p>
           <a:p>
             <a:pPr marL="114300" indent="0">
@@ -8453,10 +8640,10 @@
               <a:buNone/>
             </a:pPr>
             <a:r>
-              <a:rPr lang="en"/>
+              <a:rPr lang="en" dirty="0"/>
               <a:t>Links</a:t>
             </a:r>
-            <a:endParaRPr/>
+            <a:endParaRPr dirty="0"/>
           </a:p>
         </p:txBody>
       </p:sp>
@@ -8481,7 +8668,7 @@
           </a:bodyPr>
           <a:lstStyle/>
           <a:p>
-            <a:pPr marL="457200" lvl="0" indent="-342900" algn="l" rtl="0">
+            <a:pPr lvl="0" algn="l" rtl="0">
               <a:spcBef>
                 <a:spcPts val="0"/>
               </a:spcBef>
@@ -8489,16 +8676,46 @@
                 <a:spcPts val="0"/>
               </a:spcAft>
               <a:buSzPts val="1800"/>
-              <a:buChar char="●"/>
+              <a:buFont typeface="Arial" panose="020B0604020202020204" pitchFamily="34" charset="0"/>
+              <a:buChar char="•"/>
             </a:pPr>
             <a:r>
-              <a:rPr lang="en"/>
-              <a:t>Deployed</a:t>
-            </a:r>
-            <a:endParaRPr/>
-          </a:p>
-          <a:p>
-            <a:pPr marL="457200" lvl="0" indent="-342900" algn="l" rtl="0">
+              <a:rPr lang="en-US" dirty="0"/>
+              <a:t>W</a:t>
+            </a:r>
+            <a:r>
+              <a:rPr lang="en" dirty="0"/>
+              <a:t>ebsite page </a:t>
+            </a:r>
+          </a:p>
+          <a:p>
+            <a:pPr lvl="1">
+              <a:spcBef>
+                <a:spcPts val="0"/>
+              </a:spcBef>
+              <a:buSzPts val="1800"/>
+              <a:buFont typeface="Arial" panose="020B0604020202020204" pitchFamily="34" charset="0"/>
+              <a:buChar char="•"/>
+            </a:pPr>
+            <a:r>
+              <a:rPr lang="en-US" dirty="0"/>
+              <a:t>https://darkjuanjo.github.io/Phase-1-Project/</a:t>
+            </a:r>
+            <a:endParaRPr lang="en" dirty="0"/>
+          </a:p>
+          <a:p>
+            <a:pPr lvl="1">
+              <a:spcBef>
+                <a:spcPts val="0"/>
+              </a:spcBef>
+              <a:buSzPts val="1800"/>
+              <a:buFont typeface="Arial" panose="020B0604020202020204" pitchFamily="34" charset="0"/>
+              <a:buChar char="•"/>
+            </a:pPr>
+            <a:endParaRPr lang="en" dirty="0"/>
+          </a:p>
+          <a:p>
+            <a:pPr lvl="0" algn="l" rtl="0">
               <a:spcBef>
                 <a:spcPts val="0"/>
               </a:spcBef>
@@ -8506,13 +8723,42 @@
                 <a:spcPts val="0"/>
               </a:spcAft>
               <a:buSzPts val="1800"/>
-              <a:buChar char="●"/>
+              <a:buFont typeface="Arial" panose="020B0604020202020204" pitchFamily="34" charset="0"/>
+              <a:buChar char="•"/>
             </a:pPr>
-            <a:r>
-              <a:rPr lang="en"/>
+            <a:endParaRPr dirty="0"/>
+          </a:p>
+          <a:p>
+            <a:pPr lvl="0" algn="l" rtl="0">
+              <a:spcBef>
+                <a:spcPts val="0"/>
+              </a:spcBef>
+              <a:spcAft>
+                <a:spcPts val="0"/>
+              </a:spcAft>
+              <a:buSzPts val="1800"/>
+              <a:buFont typeface="Arial" panose="020B0604020202020204" pitchFamily="34" charset="0"/>
+              <a:buChar char="•"/>
+            </a:pPr>
+            <a:r>
+              <a:rPr lang="en" dirty="0"/>
               <a:t>GitHub repo</a:t>
             </a:r>
-            <a:endParaRPr/>
+          </a:p>
+          <a:p>
+            <a:pPr lvl="1">
+              <a:spcBef>
+                <a:spcPts val="0"/>
+              </a:spcBef>
+              <a:buSzPts val="1800"/>
+              <a:buFont typeface="Arial" panose="020B0604020202020204" pitchFamily="34" charset="0"/>
+              <a:buChar char="•"/>
+            </a:pPr>
+            <a:r>
+              <a:rPr lang="en-US" dirty="0"/>
+              <a:t>https://github.com/darkjuanjo/Phase-1-Project</a:t>
+            </a:r>
+            <a:endParaRPr dirty="0"/>
           </a:p>
         </p:txBody>
       </p:sp>

--- a/PowerPoint Persentation .pptx
+++ b/PowerPoint Persentation .pptx
@@ -1474,7 +1474,7 @@
             <a:fld id="{B61BEF0D-F0BB-DE4B-95CE-6DB70DBA9567}" type="datetimeFigureOut">
               <a:rPr lang="en-US" dirty="0"/>
               <a:pPr/>
-              <a:t>8/4/2021</a:t>
+              <a:t>8/8/2021</a:t>
             </a:fld>
             <a:endParaRPr lang="en-US" dirty="0"/>
           </a:p>
@@ -1921,7 +1921,7 @@
             <a:fld id="{B61BEF0D-F0BB-DE4B-95CE-6DB70DBA9567}" type="datetimeFigureOut">
               <a:rPr lang="en-US" dirty="0"/>
               <a:pPr/>
-              <a:t>8/4/2021</a:t>
+              <a:t>8/8/2021</a:t>
             </a:fld>
             <a:endParaRPr lang="en-US" dirty="0"/>
           </a:p>
@@ -2182,7 +2182,7 @@
             <a:fld id="{B61BEF0D-F0BB-DE4B-95CE-6DB70DBA9567}" type="datetimeFigureOut">
               <a:rPr lang="en-US" dirty="0"/>
               <a:pPr/>
-              <a:t>8/4/2021</a:t>
+              <a:t>8/8/2021</a:t>
             </a:fld>
             <a:endParaRPr lang="en-US" dirty="0"/>
           </a:p>
@@ -2501,7 +2501,7 @@
             <a:fld id="{B61BEF0D-F0BB-DE4B-95CE-6DB70DBA9567}" type="datetimeFigureOut">
               <a:rPr lang="en-US" dirty="0"/>
               <a:pPr/>
-              <a:t>8/4/2021</a:t>
+              <a:t>8/8/2021</a:t>
             </a:fld>
             <a:endParaRPr lang="en-US" dirty="0"/>
           </a:p>
@@ -2830,7 +2830,7 @@
             <a:fld id="{B61BEF0D-F0BB-DE4B-95CE-6DB70DBA9567}" type="datetimeFigureOut">
               <a:rPr lang="en-US" dirty="0"/>
               <a:pPr/>
-              <a:t>8/4/2021</a:t>
+              <a:t>8/8/2021</a:t>
             </a:fld>
             <a:endParaRPr lang="en-US" dirty="0"/>
           </a:p>
@@ -3143,7 +3143,7 @@
             <a:fld id="{B61BEF0D-F0BB-DE4B-95CE-6DB70DBA9567}" type="datetimeFigureOut">
               <a:rPr lang="en-US" dirty="0"/>
               <a:pPr/>
-              <a:t>8/4/2021</a:t>
+              <a:t>8/8/2021</a:t>
             </a:fld>
             <a:endParaRPr lang="en-US" dirty="0"/>
           </a:p>
@@ -3521,7 +3521,7 @@
             <a:fld id="{B61BEF0D-F0BB-DE4B-95CE-6DB70DBA9567}" type="datetimeFigureOut">
               <a:rPr lang="en-US" dirty="0"/>
               <a:pPr/>
-              <a:t>8/4/2021</a:t>
+              <a:t>8/8/2021</a:t>
             </a:fld>
             <a:endParaRPr lang="en-US" dirty="0"/>
           </a:p>
@@ -3706,7 +3706,7 @@
             <a:fld id="{B61BEF0D-F0BB-DE4B-95CE-6DB70DBA9567}" type="datetimeFigureOut">
               <a:rPr lang="en-US" dirty="0"/>
               <a:pPr/>
-              <a:t>8/4/2021</a:t>
+              <a:t>8/8/2021</a:t>
             </a:fld>
             <a:endParaRPr lang="en-US" dirty="0"/>
           </a:p>
@@ -3897,7 +3897,7 @@
             <a:fld id="{B61BEF0D-F0BB-DE4B-95CE-6DB70DBA9567}" type="datetimeFigureOut">
               <a:rPr lang="en-US" dirty="0"/>
               <a:pPr/>
-              <a:t>8/4/2021</a:t>
+              <a:t>8/8/2021</a:t>
             </a:fld>
             <a:endParaRPr lang="en-US" dirty="0"/>
           </a:p>
@@ -4683,7 +4683,7 @@
             <a:fld id="{B61BEF0D-F0BB-DE4B-95CE-6DB70DBA9567}" type="datetimeFigureOut">
               <a:rPr lang="en-US" dirty="0"/>
               <a:pPr/>
-              <a:t>8/4/2021</a:t>
+              <a:t>8/8/2021</a:t>
             </a:fld>
             <a:endParaRPr lang="en-US" dirty="0"/>
           </a:p>
@@ -4944,7 +4944,7 @@
             <a:fld id="{B61BEF0D-F0BB-DE4B-95CE-6DB70DBA9567}" type="datetimeFigureOut">
               <a:rPr lang="en-US" dirty="0"/>
               <a:pPr/>
-              <a:t>8/4/2021</a:t>
+              <a:t>8/8/2021</a:t>
             </a:fld>
             <a:endParaRPr lang="en-US" dirty="0"/>
           </a:p>
@@ -5191,7 +5191,7 @@
             <a:fld id="{B61BEF0D-F0BB-DE4B-95CE-6DB70DBA9567}" type="datetimeFigureOut">
               <a:rPr lang="en-US" dirty="0"/>
               <a:pPr/>
-              <a:t>8/4/2021</a:t>
+              <a:t>8/8/2021</a:t>
             </a:fld>
             <a:endParaRPr lang="en-US" dirty="0"/>
           </a:p>
@@ -5584,7 +5584,7 @@
             <a:fld id="{B61BEF0D-F0BB-DE4B-95CE-6DB70DBA9567}" type="datetimeFigureOut">
               <a:rPr lang="en-US" dirty="0"/>
               <a:pPr/>
-              <a:t>8/4/2021</a:t>
+              <a:t>8/8/2021</a:t>
             </a:fld>
             <a:endParaRPr lang="en-US" dirty="0"/>
           </a:p>
@@ -5713,7 +5713,7 @@
             <a:fld id="{B61BEF0D-F0BB-DE4B-95CE-6DB70DBA9567}" type="datetimeFigureOut">
               <a:rPr lang="en-US" dirty="0"/>
               <a:pPr/>
-              <a:t>8/4/2021</a:t>
+              <a:t>8/8/2021</a:t>
             </a:fld>
             <a:endParaRPr lang="en-US" dirty="0"/>
           </a:p>
@@ -5819,7 +5819,7 @@
             <a:fld id="{B61BEF0D-F0BB-DE4B-95CE-6DB70DBA9567}" type="datetimeFigureOut">
               <a:rPr lang="en-US" dirty="0"/>
               <a:pPr/>
-              <a:t>8/4/2021</a:t>
+              <a:t>8/8/2021</a:t>
             </a:fld>
             <a:endParaRPr lang="en-US" dirty="0"/>
           </a:p>
@@ -6084,7 +6084,7 @@
             <a:fld id="{B61BEF0D-F0BB-DE4B-95CE-6DB70DBA9567}" type="datetimeFigureOut">
               <a:rPr lang="en-US" dirty="0"/>
               <a:pPr/>
-              <a:t>8/4/2021</a:t>
+              <a:t>8/8/2021</a:t>
             </a:fld>
             <a:endParaRPr lang="en-US" dirty="0"/>
           </a:p>
@@ -6378,7 +6378,7 @@
             <a:fld id="{B61BEF0D-F0BB-DE4B-95CE-6DB70DBA9567}" type="datetimeFigureOut">
               <a:rPr lang="en-US" dirty="0"/>
               <a:pPr/>
-              <a:t>8/4/2021</a:t>
+              <a:t>8/8/2021</a:t>
             </a:fld>
             <a:endParaRPr lang="en-US" dirty="0"/>
           </a:p>
@@ -6795,7 +6795,7 @@
             <a:fld id="{B61BEF0D-F0BB-DE4B-95CE-6DB70DBA9567}" type="datetimeFigureOut">
               <a:rPr lang="en-US" dirty="0"/>
               <a:pPr/>
-              <a:t>8/4/2021</a:t>
+              <a:t>8/8/2021</a:t>
             </a:fld>
             <a:endParaRPr lang="en-US" dirty="0"/>
           </a:p>
@@ -7432,8 +7432,8 @@
           <a:p>
             <a:pPr marL="1828800" lvl="4" indent="0" algn="l"/>
             <a:r>
-              <a:rPr lang="en-US" sz="1600" b="1" dirty="0"/>
-              <a:t>Rabin Taya </a:t>
+              <a:rPr lang="en-US" sz="1600" b="1"/>
+              <a:t>Rabin Raya </a:t>
             </a:r>
             <a:r>
               <a:rPr lang="en-US" sz="1600" b="1" dirty="0" err="1"/>
